--- a/Stages/Indoor/Long Courses - 32 or less/26 Rounds V4.pptx
+++ b/Stages/Indoor/Long Courses - 32 or less/26 Rounds V4.pptx
@@ -242,7 +242,7 @@
             <a:fld id="{6FD315A2-9F92-4CCE-886A-5EF00EA90DC0}" type="datetimeFigureOut">
               <a:rPr lang="en-US" smtClean="0"/>
               <a:pPr/>
-              <a:t>9/20/23</a:t>
+              <a:t>10/17/23</a:t>
             </a:fld>
             <a:endParaRPr lang="en-US"/>
           </a:p>
@@ -4329,528 +4329,6 @@
           </p:sp>
         </p:grpSp>
       </p:grpSp>
-      <p:sp>
-        <p:nvSpPr>
-          <p:cNvPr id="157" name="Freeform 32">
-            <a:extLst>
-              <a:ext uri="{FF2B5EF4-FFF2-40B4-BE49-F238E27FC236}">
-                <a16:creationId xmlns:a16="http://schemas.microsoft.com/office/drawing/2014/main" id="{E9A6575D-3A45-C080-50E0-5EE788536A24}"/>
-              </a:ext>
-            </a:extLst>
-          </p:cNvPr>
-          <p:cNvSpPr>
-            <a:spLocks/>
-          </p:cNvSpPr>
-          <p:nvPr/>
-        </p:nvSpPr>
-        <p:spPr bwMode="auto">
-          <a:xfrm rot="5400000">
-            <a:off x="3423540" y="3024654"/>
-            <a:ext cx="287338" cy="527050"/>
-          </a:xfrm>
-          <a:custGeom>
-            <a:avLst/>
-            <a:gdLst>
-              <a:gd name="T0" fmla="*/ 89 w 277"/>
-              <a:gd name="T1" fmla="*/ 0 h 517"/>
-              <a:gd name="T2" fmla="*/ 191 w 277"/>
-              <a:gd name="T3" fmla="*/ 0 h 517"/>
-              <a:gd name="T4" fmla="*/ 191 w 277"/>
-              <a:gd name="T5" fmla="*/ 105 h 517"/>
-              <a:gd name="T6" fmla="*/ 225 w 277"/>
-              <a:gd name="T7" fmla="*/ 105 h 517"/>
-              <a:gd name="T8" fmla="*/ 276 w 277"/>
-              <a:gd name="T9" fmla="*/ 139 h 517"/>
-              <a:gd name="T10" fmla="*/ 276 w 277"/>
-              <a:gd name="T11" fmla="*/ 415 h 517"/>
-              <a:gd name="T12" fmla="*/ 225 w 277"/>
-              <a:gd name="T13" fmla="*/ 516 h 517"/>
-              <a:gd name="T14" fmla="*/ 51 w 277"/>
-              <a:gd name="T15" fmla="*/ 516 h 517"/>
-              <a:gd name="T16" fmla="*/ 0 w 277"/>
-              <a:gd name="T17" fmla="*/ 415 h 517"/>
-              <a:gd name="T18" fmla="*/ 0 w 277"/>
-              <a:gd name="T19" fmla="*/ 139 h 517"/>
-              <a:gd name="T20" fmla="*/ 51 w 277"/>
-              <a:gd name="T21" fmla="*/ 105 h 517"/>
-              <a:gd name="T22" fmla="*/ 89 w 277"/>
-              <a:gd name="T23" fmla="*/ 105 h 517"/>
-              <a:gd name="T24" fmla="*/ 89 w 277"/>
-              <a:gd name="T25" fmla="*/ 0 h 517"/>
-              <a:gd name="T26" fmla="*/ 0 60000 65536"/>
-              <a:gd name="T27" fmla="*/ 0 60000 65536"/>
-              <a:gd name="T28" fmla="*/ 0 60000 65536"/>
-              <a:gd name="T29" fmla="*/ 0 60000 65536"/>
-              <a:gd name="T30" fmla="*/ 0 60000 65536"/>
-              <a:gd name="T31" fmla="*/ 0 60000 65536"/>
-              <a:gd name="T32" fmla="*/ 0 60000 65536"/>
-              <a:gd name="T33" fmla="*/ 0 60000 65536"/>
-              <a:gd name="T34" fmla="*/ 0 60000 65536"/>
-              <a:gd name="T35" fmla="*/ 0 60000 65536"/>
-              <a:gd name="T36" fmla="*/ 0 60000 65536"/>
-              <a:gd name="T37" fmla="*/ 0 60000 65536"/>
-              <a:gd name="T38" fmla="*/ 0 60000 65536"/>
-              <a:gd name="T39" fmla="*/ 0 w 277"/>
-              <a:gd name="T40" fmla="*/ 0 h 517"/>
-              <a:gd name="T41" fmla="*/ 277 w 277"/>
-              <a:gd name="T42" fmla="*/ 517 h 517"/>
-            </a:gdLst>
-            <a:ahLst/>
-            <a:cxnLst>
-              <a:cxn ang="T26">
-                <a:pos x="T0" y="T1"/>
-              </a:cxn>
-              <a:cxn ang="T27">
-                <a:pos x="T2" y="T3"/>
-              </a:cxn>
-              <a:cxn ang="T28">
-                <a:pos x="T4" y="T5"/>
-              </a:cxn>
-              <a:cxn ang="T29">
-                <a:pos x="T6" y="T7"/>
-              </a:cxn>
-              <a:cxn ang="T30">
-                <a:pos x="T8" y="T9"/>
-              </a:cxn>
-              <a:cxn ang="T31">
-                <a:pos x="T10" y="T11"/>
-              </a:cxn>
-              <a:cxn ang="T32">
-                <a:pos x="T12" y="T13"/>
-              </a:cxn>
-              <a:cxn ang="T33">
-                <a:pos x="T14" y="T15"/>
-              </a:cxn>
-              <a:cxn ang="T34">
-                <a:pos x="T16" y="T17"/>
-              </a:cxn>
-              <a:cxn ang="T35">
-                <a:pos x="T18" y="T19"/>
-              </a:cxn>
-              <a:cxn ang="T36">
-                <a:pos x="T20" y="T21"/>
-              </a:cxn>
-              <a:cxn ang="T37">
-                <a:pos x="T22" y="T23"/>
-              </a:cxn>
-              <a:cxn ang="T38">
-                <a:pos x="T24" y="T25"/>
-              </a:cxn>
-            </a:cxnLst>
-            <a:rect l="T39" t="T40" r="T41" b="T42"/>
-            <a:pathLst>
-              <a:path w="277" h="517">
-                <a:moveTo>
-                  <a:pt x="89" y="0"/>
-                </a:moveTo>
-                <a:lnTo>
-                  <a:pt x="191" y="0"/>
-                </a:lnTo>
-                <a:lnTo>
-                  <a:pt x="191" y="105"/>
-                </a:lnTo>
-                <a:lnTo>
-                  <a:pt x="225" y="105"/>
-                </a:lnTo>
-                <a:lnTo>
-                  <a:pt x="276" y="139"/>
-                </a:lnTo>
-                <a:lnTo>
-                  <a:pt x="276" y="415"/>
-                </a:lnTo>
-                <a:lnTo>
-                  <a:pt x="225" y="516"/>
-                </a:lnTo>
-                <a:lnTo>
-                  <a:pt x="51" y="516"/>
-                </a:lnTo>
-                <a:lnTo>
-                  <a:pt x="0" y="415"/>
-                </a:lnTo>
-                <a:lnTo>
-                  <a:pt x="0" y="139"/>
-                </a:lnTo>
-                <a:lnTo>
-                  <a:pt x="51" y="105"/>
-                </a:lnTo>
-                <a:lnTo>
-                  <a:pt x="89" y="105"/>
-                </a:lnTo>
-                <a:lnTo>
-                  <a:pt x="89" y="0"/>
-                </a:lnTo>
-              </a:path>
-            </a:pathLst>
-          </a:custGeom>
-          <a:solidFill>
-            <a:srgbClr val="FFCC99"/>
-          </a:solidFill>
-          <a:ln w="12700" cap="rnd" cmpd="sng">
-            <a:solidFill>
-              <a:schemeClr val="tx1"/>
-            </a:solidFill>
-            <a:prstDash val="solid"/>
-            <a:round/>
-            <a:headEnd type="none" w="med" len="med"/>
-            <a:tailEnd type="none" w="med" len="med"/>
-          </a:ln>
-        </p:spPr>
-        <p:txBody>
-          <a:bodyPr/>
-          <a:lstStyle/>
-          <a:p>
-            <a:endParaRPr lang="en-US"/>
-          </a:p>
-        </p:txBody>
-      </p:sp>
-      <p:sp>
-        <p:nvSpPr>
-          <p:cNvPr id="158" name="Freeform 32">
-            <a:extLst>
-              <a:ext uri="{FF2B5EF4-FFF2-40B4-BE49-F238E27FC236}">
-                <a16:creationId xmlns:a16="http://schemas.microsoft.com/office/drawing/2014/main" id="{E4056193-AEB8-11EE-731E-92E470E18EAB}"/>
-              </a:ext>
-            </a:extLst>
-          </p:cNvPr>
-          <p:cNvSpPr>
-            <a:spLocks/>
-          </p:cNvSpPr>
-          <p:nvPr/>
-        </p:nvSpPr>
-        <p:spPr bwMode="auto">
-          <a:xfrm rot="16200000">
-            <a:off x="3765287" y="3036361"/>
-            <a:ext cx="287338" cy="527050"/>
-          </a:xfrm>
-          <a:custGeom>
-            <a:avLst/>
-            <a:gdLst>
-              <a:gd name="T0" fmla="*/ 89 w 277"/>
-              <a:gd name="T1" fmla="*/ 0 h 517"/>
-              <a:gd name="T2" fmla="*/ 191 w 277"/>
-              <a:gd name="T3" fmla="*/ 0 h 517"/>
-              <a:gd name="T4" fmla="*/ 191 w 277"/>
-              <a:gd name="T5" fmla="*/ 105 h 517"/>
-              <a:gd name="T6" fmla="*/ 225 w 277"/>
-              <a:gd name="T7" fmla="*/ 105 h 517"/>
-              <a:gd name="T8" fmla="*/ 276 w 277"/>
-              <a:gd name="T9" fmla="*/ 139 h 517"/>
-              <a:gd name="T10" fmla="*/ 276 w 277"/>
-              <a:gd name="T11" fmla="*/ 415 h 517"/>
-              <a:gd name="T12" fmla="*/ 225 w 277"/>
-              <a:gd name="T13" fmla="*/ 516 h 517"/>
-              <a:gd name="T14" fmla="*/ 51 w 277"/>
-              <a:gd name="T15" fmla="*/ 516 h 517"/>
-              <a:gd name="T16" fmla="*/ 0 w 277"/>
-              <a:gd name="T17" fmla="*/ 415 h 517"/>
-              <a:gd name="T18" fmla="*/ 0 w 277"/>
-              <a:gd name="T19" fmla="*/ 139 h 517"/>
-              <a:gd name="T20" fmla="*/ 51 w 277"/>
-              <a:gd name="T21" fmla="*/ 105 h 517"/>
-              <a:gd name="T22" fmla="*/ 89 w 277"/>
-              <a:gd name="T23" fmla="*/ 105 h 517"/>
-              <a:gd name="T24" fmla="*/ 89 w 277"/>
-              <a:gd name="T25" fmla="*/ 0 h 517"/>
-              <a:gd name="T26" fmla="*/ 0 60000 65536"/>
-              <a:gd name="T27" fmla="*/ 0 60000 65536"/>
-              <a:gd name="T28" fmla="*/ 0 60000 65536"/>
-              <a:gd name="T29" fmla="*/ 0 60000 65536"/>
-              <a:gd name="T30" fmla="*/ 0 60000 65536"/>
-              <a:gd name="T31" fmla="*/ 0 60000 65536"/>
-              <a:gd name="T32" fmla="*/ 0 60000 65536"/>
-              <a:gd name="T33" fmla="*/ 0 60000 65536"/>
-              <a:gd name="T34" fmla="*/ 0 60000 65536"/>
-              <a:gd name="T35" fmla="*/ 0 60000 65536"/>
-              <a:gd name="T36" fmla="*/ 0 60000 65536"/>
-              <a:gd name="T37" fmla="*/ 0 60000 65536"/>
-              <a:gd name="T38" fmla="*/ 0 60000 65536"/>
-              <a:gd name="T39" fmla="*/ 0 w 277"/>
-              <a:gd name="T40" fmla="*/ 0 h 517"/>
-              <a:gd name="T41" fmla="*/ 277 w 277"/>
-              <a:gd name="T42" fmla="*/ 517 h 517"/>
-            </a:gdLst>
-            <a:ahLst/>
-            <a:cxnLst>
-              <a:cxn ang="T26">
-                <a:pos x="T0" y="T1"/>
-              </a:cxn>
-              <a:cxn ang="T27">
-                <a:pos x="T2" y="T3"/>
-              </a:cxn>
-              <a:cxn ang="T28">
-                <a:pos x="T4" y="T5"/>
-              </a:cxn>
-              <a:cxn ang="T29">
-                <a:pos x="T6" y="T7"/>
-              </a:cxn>
-              <a:cxn ang="T30">
-                <a:pos x="T8" y="T9"/>
-              </a:cxn>
-              <a:cxn ang="T31">
-                <a:pos x="T10" y="T11"/>
-              </a:cxn>
-              <a:cxn ang="T32">
-                <a:pos x="T12" y="T13"/>
-              </a:cxn>
-              <a:cxn ang="T33">
-                <a:pos x="T14" y="T15"/>
-              </a:cxn>
-              <a:cxn ang="T34">
-                <a:pos x="T16" y="T17"/>
-              </a:cxn>
-              <a:cxn ang="T35">
-                <a:pos x="T18" y="T19"/>
-              </a:cxn>
-              <a:cxn ang="T36">
-                <a:pos x="T20" y="T21"/>
-              </a:cxn>
-              <a:cxn ang="T37">
-                <a:pos x="T22" y="T23"/>
-              </a:cxn>
-              <a:cxn ang="T38">
-                <a:pos x="T24" y="T25"/>
-              </a:cxn>
-            </a:cxnLst>
-            <a:rect l="T39" t="T40" r="T41" b="T42"/>
-            <a:pathLst>
-              <a:path w="277" h="517">
-                <a:moveTo>
-                  <a:pt x="89" y="0"/>
-                </a:moveTo>
-                <a:lnTo>
-                  <a:pt x="191" y="0"/>
-                </a:lnTo>
-                <a:lnTo>
-                  <a:pt x="191" y="105"/>
-                </a:lnTo>
-                <a:lnTo>
-                  <a:pt x="225" y="105"/>
-                </a:lnTo>
-                <a:lnTo>
-                  <a:pt x="276" y="139"/>
-                </a:lnTo>
-                <a:lnTo>
-                  <a:pt x="276" y="415"/>
-                </a:lnTo>
-                <a:lnTo>
-                  <a:pt x="225" y="516"/>
-                </a:lnTo>
-                <a:lnTo>
-                  <a:pt x="51" y="516"/>
-                </a:lnTo>
-                <a:lnTo>
-                  <a:pt x="0" y="415"/>
-                </a:lnTo>
-                <a:lnTo>
-                  <a:pt x="0" y="139"/>
-                </a:lnTo>
-                <a:lnTo>
-                  <a:pt x="51" y="105"/>
-                </a:lnTo>
-                <a:lnTo>
-                  <a:pt x="89" y="105"/>
-                </a:lnTo>
-                <a:lnTo>
-                  <a:pt x="89" y="0"/>
-                </a:lnTo>
-              </a:path>
-            </a:pathLst>
-          </a:custGeom>
-          <a:solidFill>
-            <a:srgbClr val="FFCC99"/>
-          </a:solidFill>
-          <a:ln w="12700" cap="rnd" cmpd="sng">
-            <a:solidFill>
-              <a:schemeClr val="tx1"/>
-            </a:solidFill>
-            <a:prstDash val="solid"/>
-            <a:round/>
-            <a:headEnd type="none" w="med" len="med"/>
-            <a:tailEnd type="none" w="med" len="med"/>
-          </a:ln>
-        </p:spPr>
-        <p:txBody>
-          <a:bodyPr/>
-          <a:lstStyle/>
-          <a:p>
-            <a:endParaRPr lang="en-US"/>
-          </a:p>
-        </p:txBody>
-      </p:sp>
-      <p:sp>
-        <p:nvSpPr>
-          <p:cNvPr id="159" name="Freeform 32">
-            <a:extLst>
-              <a:ext uri="{FF2B5EF4-FFF2-40B4-BE49-F238E27FC236}">
-                <a16:creationId xmlns:a16="http://schemas.microsoft.com/office/drawing/2014/main" id="{0D344833-DEB3-8D6F-9B79-443BAE3B737C}"/>
-              </a:ext>
-            </a:extLst>
-          </p:cNvPr>
-          <p:cNvSpPr>
-            <a:spLocks/>
-          </p:cNvSpPr>
-          <p:nvPr/>
-        </p:nvSpPr>
-        <p:spPr bwMode="auto">
-          <a:xfrm rot="10800000">
-            <a:off x="3587977" y="2797396"/>
-            <a:ext cx="287338" cy="527050"/>
-          </a:xfrm>
-          <a:custGeom>
-            <a:avLst/>
-            <a:gdLst>
-              <a:gd name="T0" fmla="*/ 89 w 277"/>
-              <a:gd name="T1" fmla="*/ 0 h 517"/>
-              <a:gd name="T2" fmla="*/ 191 w 277"/>
-              <a:gd name="T3" fmla="*/ 0 h 517"/>
-              <a:gd name="T4" fmla="*/ 191 w 277"/>
-              <a:gd name="T5" fmla="*/ 105 h 517"/>
-              <a:gd name="T6" fmla="*/ 225 w 277"/>
-              <a:gd name="T7" fmla="*/ 105 h 517"/>
-              <a:gd name="T8" fmla="*/ 276 w 277"/>
-              <a:gd name="T9" fmla="*/ 139 h 517"/>
-              <a:gd name="T10" fmla="*/ 276 w 277"/>
-              <a:gd name="T11" fmla="*/ 415 h 517"/>
-              <a:gd name="T12" fmla="*/ 225 w 277"/>
-              <a:gd name="T13" fmla="*/ 516 h 517"/>
-              <a:gd name="T14" fmla="*/ 51 w 277"/>
-              <a:gd name="T15" fmla="*/ 516 h 517"/>
-              <a:gd name="T16" fmla="*/ 0 w 277"/>
-              <a:gd name="T17" fmla="*/ 415 h 517"/>
-              <a:gd name="T18" fmla="*/ 0 w 277"/>
-              <a:gd name="T19" fmla="*/ 139 h 517"/>
-              <a:gd name="T20" fmla="*/ 51 w 277"/>
-              <a:gd name="T21" fmla="*/ 105 h 517"/>
-              <a:gd name="T22" fmla="*/ 89 w 277"/>
-              <a:gd name="T23" fmla="*/ 105 h 517"/>
-              <a:gd name="T24" fmla="*/ 89 w 277"/>
-              <a:gd name="T25" fmla="*/ 0 h 517"/>
-              <a:gd name="T26" fmla="*/ 0 60000 65536"/>
-              <a:gd name="T27" fmla="*/ 0 60000 65536"/>
-              <a:gd name="T28" fmla="*/ 0 60000 65536"/>
-              <a:gd name="T29" fmla="*/ 0 60000 65536"/>
-              <a:gd name="T30" fmla="*/ 0 60000 65536"/>
-              <a:gd name="T31" fmla="*/ 0 60000 65536"/>
-              <a:gd name="T32" fmla="*/ 0 60000 65536"/>
-              <a:gd name="T33" fmla="*/ 0 60000 65536"/>
-              <a:gd name="T34" fmla="*/ 0 60000 65536"/>
-              <a:gd name="T35" fmla="*/ 0 60000 65536"/>
-              <a:gd name="T36" fmla="*/ 0 60000 65536"/>
-              <a:gd name="T37" fmla="*/ 0 60000 65536"/>
-              <a:gd name="T38" fmla="*/ 0 60000 65536"/>
-              <a:gd name="T39" fmla="*/ 0 w 277"/>
-              <a:gd name="T40" fmla="*/ 0 h 517"/>
-              <a:gd name="T41" fmla="*/ 277 w 277"/>
-              <a:gd name="T42" fmla="*/ 517 h 517"/>
-            </a:gdLst>
-            <a:ahLst/>
-            <a:cxnLst>
-              <a:cxn ang="T26">
-                <a:pos x="T0" y="T1"/>
-              </a:cxn>
-              <a:cxn ang="T27">
-                <a:pos x="T2" y="T3"/>
-              </a:cxn>
-              <a:cxn ang="T28">
-                <a:pos x="T4" y="T5"/>
-              </a:cxn>
-              <a:cxn ang="T29">
-                <a:pos x="T6" y="T7"/>
-              </a:cxn>
-              <a:cxn ang="T30">
-                <a:pos x="T8" y="T9"/>
-              </a:cxn>
-              <a:cxn ang="T31">
-                <a:pos x="T10" y="T11"/>
-              </a:cxn>
-              <a:cxn ang="T32">
-                <a:pos x="T12" y="T13"/>
-              </a:cxn>
-              <a:cxn ang="T33">
-                <a:pos x="T14" y="T15"/>
-              </a:cxn>
-              <a:cxn ang="T34">
-                <a:pos x="T16" y="T17"/>
-              </a:cxn>
-              <a:cxn ang="T35">
-                <a:pos x="T18" y="T19"/>
-              </a:cxn>
-              <a:cxn ang="T36">
-                <a:pos x="T20" y="T21"/>
-              </a:cxn>
-              <a:cxn ang="T37">
-                <a:pos x="T22" y="T23"/>
-              </a:cxn>
-              <a:cxn ang="T38">
-                <a:pos x="T24" y="T25"/>
-              </a:cxn>
-            </a:cxnLst>
-            <a:rect l="T39" t="T40" r="T41" b="T42"/>
-            <a:pathLst>
-              <a:path w="277" h="517">
-                <a:moveTo>
-                  <a:pt x="89" y="0"/>
-                </a:moveTo>
-                <a:lnTo>
-                  <a:pt x="191" y="0"/>
-                </a:lnTo>
-                <a:lnTo>
-                  <a:pt x="191" y="105"/>
-                </a:lnTo>
-                <a:lnTo>
-                  <a:pt x="225" y="105"/>
-                </a:lnTo>
-                <a:lnTo>
-                  <a:pt x="276" y="139"/>
-                </a:lnTo>
-                <a:lnTo>
-                  <a:pt x="276" y="415"/>
-                </a:lnTo>
-                <a:lnTo>
-                  <a:pt x="225" y="516"/>
-                </a:lnTo>
-                <a:lnTo>
-                  <a:pt x="51" y="516"/>
-                </a:lnTo>
-                <a:lnTo>
-                  <a:pt x="0" y="415"/>
-                </a:lnTo>
-                <a:lnTo>
-                  <a:pt x="0" y="139"/>
-                </a:lnTo>
-                <a:lnTo>
-                  <a:pt x="51" y="105"/>
-                </a:lnTo>
-                <a:lnTo>
-                  <a:pt x="89" y="105"/>
-                </a:lnTo>
-                <a:lnTo>
-                  <a:pt x="89" y="0"/>
-                </a:lnTo>
-              </a:path>
-            </a:pathLst>
-          </a:custGeom>
-          <a:solidFill>
-            <a:srgbClr val="FFCC99"/>
-          </a:solidFill>
-          <a:ln w="12700" cap="rnd" cmpd="sng">
-            <a:solidFill>
-              <a:schemeClr val="tx1"/>
-            </a:solidFill>
-            <a:prstDash val="solid"/>
-            <a:round/>
-            <a:headEnd type="none" w="med" len="med"/>
-            <a:tailEnd type="none" w="med" len="med"/>
-          </a:ln>
-        </p:spPr>
-        <p:txBody>
-          <a:bodyPr/>
-          <a:lstStyle/>
-          <a:p>
-            <a:endParaRPr lang="en-US"/>
-          </a:p>
-        </p:txBody>
-      </p:sp>
       <p:graphicFrame>
         <p:nvGraphicFramePr>
           <p:cNvPr id="25629" name="Group 29"/>
@@ -12021,260 +11499,803 @@
           </p:style>
         </p:cxnSp>
       </p:grpSp>
-      <p:sp>
-        <p:nvSpPr>
-          <p:cNvPr id="151" name="Line 34">
+      <p:grpSp>
+        <p:nvGrpSpPr>
+          <p:cNvPr id="25670" name="Group 25669">
             <a:extLst>
               <a:ext uri="{FF2B5EF4-FFF2-40B4-BE49-F238E27FC236}">
-                <a16:creationId xmlns:a16="http://schemas.microsoft.com/office/drawing/2014/main" id="{46688888-66C0-A36B-EBE4-4A3066C1660A}"/>
+                <a16:creationId xmlns:a16="http://schemas.microsoft.com/office/drawing/2014/main" id="{0991A177-2E40-E360-2306-DD8B764296B5}"/>
               </a:ext>
             </a:extLst>
           </p:cNvPr>
-          <p:cNvSpPr>
-            <a:spLocks noChangeShapeType="1"/>
-          </p:cNvSpPr>
+          <p:cNvGrpSpPr/>
           <p:nvPr/>
-        </p:nvSpPr>
-        <p:spPr bwMode="auto">
+        </p:nvGrpSpPr>
+        <p:grpSpPr>
           <a:xfrm>
-            <a:off x="3604062" y="3433854"/>
-            <a:ext cx="0" cy="400801"/>
+            <a:off x="3303684" y="2797396"/>
+            <a:ext cx="868797" cy="1037259"/>
+            <a:chOff x="3303684" y="2797396"/>
+            <a:chExt cx="868797" cy="1037259"/>
           </a:xfrm>
-          <a:prstGeom prst="line">
-            <a:avLst/>
-          </a:prstGeom>
-          <a:noFill/>
-          <a:ln w="28575">
+        </p:grpSpPr>
+        <p:sp>
+          <p:nvSpPr>
+            <p:cNvPr id="157" name="Freeform 32">
+              <a:extLst>
+                <a:ext uri="{FF2B5EF4-FFF2-40B4-BE49-F238E27FC236}">
+                  <a16:creationId xmlns:a16="http://schemas.microsoft.com/office/drawing/2014/main" id="{E9A6575D-3A45-C080-50E0-5EE788536A24}"/>
+                </a:ext>
+              </a:extLst>
+            </p:cNvPr>
+            <p:cNvSpPr>
+              <a:spLocks/>
+            </p:cNvSpPr>
+            <p:nvPr/>
+          </p:nvSpPr>
+          <p:spPr bwMode="auto">
+            <a:xfrm rot="5400000">
+              <a:off x="3423540" y="3024654"/>
+              <a:ext cx="287338" cy="527050"/>
+            </a:xfrm>
+            <a:custGeom>
+              <a:avLst/>
+              <a:gdLst>
+                <a:gd name="T0" fmla="*/ 89 w 277"/>
+                <a:gd name="T1" fmla="*/ 0 h 517"/>
+                <a:gd name="T2" fmla="*/ 191 w 277"/>
+                <a:gd name="T3" fmla="*/ 0 h 517"/>
+                <a:gd name="T4" fmla="*/ 191 w 277"/>
+                <a:gd name="T5" fmla="*/ 105 h 517"/>
+                <a:gd name="T6" fmla="*/ 225 w 277"/>
+                <a:gd name="T7" fmla="*/ 105 h 517"/>
+                <a:gd name="T8" fmla="*/ 276 w 277"/>
+                <a:gd name="T9" fmla="*/ 139 h 517"/>
+                <a:gd name="T10" fmla="*/ 276 w 277"/>
+                <a:gd name="T11" fmla="*/ 415 h 517"/>
+                <a:gd name="T12" fmla="*/ 225 w 277"/>
+                <a:gd name="T13" fmla="*/ 516 h 517"/>
+                <a:gd name="T14" fmla="*/ 51 w 277"/>
+                <a:gd name="T15" fmla="*/ 516 h 517"/>
+                <a:gd name="T16" fmla="*/ 0 w 277"/>
+                <a:gd name="T17" fmla="*/ 415 h 517"/>
+                <a:gd name="T18" fmla="*/ 0 w 277"/>
+                <a:gd name="T19" fmla="*/ 139 h 517"/>
+                <a:gd name="T20" fmla="*/ 51 w 277"/>
+                <a:gd name="T21" fmla="*/ 105 h 517"/>
+                <a:gd name="T22" fmla="*/ 89 w 277"/>
+                <a:gd name="T23" fmla="*/ 105 h 517"/>
+                <a:gd name="T24" fmla="*/ 89 w 277"/>
+                <a:gd name="T25" fmla="*/ 0 h 517"/>
+                <a:gd name="T26" fmla="*/ 0 60000 65536"/>
+                <a:gd name="T27" fmla="*/ 0 60000 65536"/>
+                <a:gd name="T28" fmla="*/ 0 60000 65536"/>
+                <a:gd name="T29" fmla="*/ 0 60000 65536"/>
+                <a:gd name="T30" fmla="*/ 0 60000 65536"/>
+                <a:gd name="T31" fmla="*/ 0 60000 65536"/>
+                <a:gd name="T32" fmla="*/ 0 60000 65536"/>
+                <a:gd name="T33" fmla="*/ 0 60000 65536"/>
+                <a:gd name="T34" fmla="*/ 0 60000 65536"/>
+                <a:gd name="T35" fmla="*/ 0 60000 65536"/>
+                <a:gd name="T36" fmla="*/ 0 60000 65536"/>
+                <a:gd name="T37" fmla="*/ 0 60000 65536"/>
+                <a:gd name="T38" fmla="*/ 0 60000 65536"/>
+                <a:gd name="T39" fmla="*/ 0 w 277"/>
+                <a:gd name="T40" fmla="*/ 0 h 517"/>
+                <a:gd name="T41" fmla="*/ 277 w 277"/>
+                <a:gd name="T42" fmla="*/ 517 h 517"/>
+              </a:gdLst>
+              <a:ahLst/>
+              <a:cxnLst>
+                <a:cxn ang="T26">
+                  <a:pos x="T0" y="T1"/>
+                </a:cxn>
+                <a:cxn ang="T27">
+                  <a:pos x="T2" y="T3"/>
+                </a:cxn>
+                <a:cxn ang="T28">
+                  <a:pos x="T4" y="T5"/>
+                </a:cxn>
+                <a:cxn ang="T29">
+                  <a:pos x="T6" y="T7"/>
+                </a:cxn>
+                <a:cxn ang="T30">
+                  <a:pos x="T8" y="T9"/>
+                </a:cxn>
+                <a:cxn ang="T31">
+                  <a:pos x="T10" y="T11"/>
+                </a:cxn>
+                <a:cxn ang="T32">
+                  <a:pos x="T12" y="T13"/>
+                </a:cxn>
+                <a:cxn ang="T33">
+                  <a:pos x="T14" y="T15"/>
+                </a:cxn>
+                <a:cxn ang="T34">
+                  <a:pos x="T16" y="T17"/>
+                </a:cxn>
+                <a:cxn ang="T35">
+                  <a:pos x="T18" y="T19"/>
+                </a:cxn>
+                <a:cxn ang="T36">
+                  <a:pos x="T20" y="T21"/>
+                </a:cxn>
+                <a:cxn ang="T37">
+                  <a:pos x="T22" y="T23"/>
+                </a:cxn>
+                <a:cxn ang="T38">
+                  <a:pos x="T24" y="T25"/>
+                </a:cxn>
+              </a:cxnLst>
+              <a:rect l="T39" t="T40" r="T41" b="T42"/>
+              <a:pathLst>
+                <a:path w="277" h="517">
+                  <a:moveTo>
+                    <a:pt x="89" y="0"/>
+                  </a:moveTo>
+                  <a:lnTo>
+                    <a:pt x="191" y="0"/>
+                  </a:lnTo>
+                  <a:lnTo>
+                    <a:pt x="191" y="105"/>
+                  </a:lnTo>
+                  <a:lnTo>
+                    <a:pt x="225" y="105"/>
+                  </a:lnTo>
+                  <a:lnTo>
+                    <a:pt x="276" y="139"/>
+                  </a:lnTo>
+                  <a:lnTo>
+                    <a:pt x="276" y="415"/>
+                  </a:lnTo>
+                  <a:lnTo>
+                    <a:pt x="225" y="516"/>
+                  </a:lnTo>
+                  <a:lnTo>
+                    <a:pt x="51" y="516"/>
+                  </a:lnTo>
+                  <a:lnTo>
+                    <a:pt x="0" y="415"/>
+                  </a:lnTo>
+                  <a:lnTo>
+                    <a:pt x="0" y="139"/>
+                  </a:lnTo>
+                  <a:lnTo>
+                    <a:pt x="51" y="105"/>
+                  </a:lnTo>
+                  <a:lnTo>
+                    <a:pt x="89" y="105"/>
+                  </a:lnTo>
+                  <a:lnTo>
+                    <a:pt x="89" y="0"/>
+                  </a:lnTo>
+                </a:path>
+              </a:pathLst>
+            </a:custGeom>
             <a:solidFill>
-              <a:schemeClr val="tx1"/>
+              <a:srgbClr val="FFCC99"/>
             </a:solidFill>
-            <a:round/>
-            <a:headEnd/>
-            <a:tailEnd/>
-          </a:ln>
-        </p:spPr>
-        <p:txBody>
-          <a:bodyPr wrap="none" anchor="ctr"/>
-          <a:lstStyle/>
-          <a:p>
-            <a:endParaRPr lang="en-US"/>
-          </a:p>
-        </p:txBody>
-      </p:sp>
-      <p:sp>
-        <p:nvSpPr>
-          <p:cNvPr id="152" name="Line 35">
-            <a:extLst>
-              <a:ext uri="{FF2B5EF4-FFF2-40B4-BE49-F238E27FC236}">
-                <a16:creationId xmlns:a16="http://schemas.microsoft.com/office/drawing/2014/main" id="{26AF1601-CDD3-4C87-DD0C-CE091288BCD8}"/>
-              </a:ext>
-            </a:extLst>
-          </p:cNvPr>
-          <p:cNvSpPr>
-            <a:spLocks noChangeShapeType="1"/>
-          </p:cNvSpPr>
-          <p:nvPr/>
-        </p:nvSpPr>
-        <p:spPr bwMode="auto">
-          <a:xfrm>
-            <a:off x="3875315" y="3433854"/>
-            <a:ext cx="0" cy="400801"/>
-          </a:xfrm>
-          <a:prstGeom prst="line">
-            <a:avLst/>
-          </a:prstGeom>
-          <a:noFill/>
-          <a:ln w="28575">
+            <a:ln w="12700" cap="rnd" cmpd="sng">
+              <a:solidFill>
+                <a:schemeClr val="tx1"/>
+              </a:solidFill>
+              <a:prstDash val="solid"/>
+              <a:round/>
+              <a:headEnd type="none" w="med" len="med"/>
+              <a:tailEnd type="none" w="med" len="med"/>
+            </a:ln>
+          </p:spPr>
+          <p:txBody>
+            <a:bodyPr/>
+            <a:lstStyle/>
+            <a:p>
+              <a:endParaRPr lang="en-US"/>
+            </a:p>
+          </p:txBody>
+        </p:sp>
+        <p:sp>
+          <p:nvSpPr>
+            <p:cNvPr id="158" name="Freeform 32">
+              <a:extLst>
+                <a:ext uri="{FF2B5EF4-FFF2-40B4-BE49-F238E27FC236}">
+                  <a16:creationId xmlns:a16="http://schemas.microsoft.com/office/drawing/2014/main" id="{E4056193-AEB8-11EE-731E-92E470E18EAB}"/>
+                </a:ext>
+              </a:extLst>
+            </p:cNvPr>
+            <p:cNvSpPr>
+              <a:spLocks/>
+            </p:cNvSpPr>
+            <p:nvPr/>
+          </p:nvSpPr>
+          <p:spPr bwMode="auto">
+            <a:xfrm rot="16200000">
+              <a:off x="3765287" y="3036361"/>
+              <a:ext cx="287338" cy="527050"/>
+            </a:xfrm>
+            <a:custGeom>
+              <a:avLst/>
+              <a:gdLst>
+                <a:gd name="T0" fmla="*/ 89 w 277"/>
+                <a:gd name="T1" fmla="*/ 0 h 517"/>
+                <a:gd name="T2" fmla="*/ 191 w 277"/>
+                <a:gd name="T3" fmla="*/ 0 h 517"/>
+                <a:gd name="T4" fmla="*/ 191 w 277"/>
+                <a:gd name="T5" fmla="*/ 105 h 517"/>
+                <a:gd name="T6" fmla="*/ 225 w 277"/>
+                <a:gd name="T7" fmla="*/ 105 h 517"/>
+                <a:gd name="T8" fmla="*/ 276 w 277"/>
+                <a:gd name="T9" fmla="*/ 139 h 517"/>
+                <a:gd name="T10" fmla="*/ 276 w 277"/>
+                <a:gd name="T11" fmla="*/ 415 h 517"/>
+                <a:gd name="T12" fmla="*/ 225 w 277"/>
+                <a:gd name="T13" fmla="*/ 516 h 517"/>
+                <a:gd name="T14" fmla="*/ 51 w 277"/>
+                <a:gd name="T15" fmla="*/ 516 h 517"/>
+                <a:gd name="T16" fmla="*/ 0 w 277"/>
+                <a:gd name="T17" fmla="*/ 415 h 517"/>
+                <a:gd name="T18" fmla="*/ 0 w 277"/>
+                <a:gd name="T19" fmla="*/ 139 h 517"/>
+                <a:gd name="T20" fmla="*/ 51 w 277"/>
+                <a:gd name="T21" fmla="*/ 105 h 517"/>
+                <a:gd name="T22" fmla="*/ 89 w 277"/>
+                <a:gd name="T23" fmla="*/ 105 h 517"/>
+                <a:gd name="T24" fmla="*/ 89 w 277"/>
+                <a:gd name="T25" fmla="*/ 0 h 517"/>
+                <a:gd name="T26" fmla="*/ 0 60000 65536"/>
+                <a:gd name="T27" fmla="*/ 0 60000 65536"/>
+                <a:gd name="T28" fmla="*/ 0 60000 65536"/>
+                <a:gd name="T29" fmla="*/ 0 60000 65536"/>
+                <a:gd name="T30" fmla="*/ 0 60000 65536"/>
+                <a:gd name="T31" fmla="*/ 0 60000 65536"/>
+                <a:gd name="T32" fmla="*/ 0 60000 65536"/>
+                <a:gd name="T33" fmla="*/ 0 60000 65536"/>
+                <a:gd name="T34" fmla="*/ 0 60000 65536"/>
+                <a:gd name="T35" fmla="*/ 0 60000 65536"/>
+                <a:gd name="T36" fmla="*/ 0 60000 65536"/>
+                <a:gd name="T37" fmla="*/ 0 60000 65536"/>
+                <a:gd name="T38" fmla="*/ 0 60000 65536"/>
+                <a:gd name="T39" fmla="*/ 0 w 277"/>
+                <a:gd name="T40" fmla="*/ 0 h 517"/>
+                <a:gd name="T41" fmla="*/ 277 w 277"/>
+                <a:gd name="T42" fmla="*/ 517 h 517"/>
+              </a:gdLst>
+              <a:ahLst/>
+              <a:cxnLst>
+                <a:cxn ang="T26">
+                  <a:pos x="T0" y="T1"/>
+                </a:cxn>
+                <a:cxn ang="T27">
+                  <a:pos x="T2" y="T3"/>
+                </a:cxn>
+                <a:cxn ang="T28">
+                  <a:pos x="T4" y="T5"/>
+                </a:cxn>
+                <a:cxn ang="T29">
+                  <a:pos x="T6" y="T7"/>
+                </a:cxn>
+                <a:cxn ang="T30">
+                  <a:pos x="T8" y="T9"/>
+                </a:cxn>
+                <a:cxn ang="T31">
+                  <a:pos x="T10" y="T11"/>
+                </a:cxn>
+                <a:cxn ang="T32">
+                  <a:pos x="T12" y="T13"/>
+                </a:cxn>
+                <a:cxn ang="T33">
+                  <a:pos x="T14" y="T15"/>
+                </a:cxn>
+                <a:cxn ang="T34">
+                  <a:pos x="T16" y="T17"/>
+                </a:cxn>
+                <a:cxn ang="T35">
+                  <a:pos x="T18" y="T19"/>
+                </a:cxn>
+                <a:cxn ang="T36">
+                  <a:pos x="T20" y="T21"/>
+                </a:cxn>
+                <a:cxn ang="T37">
+                  <a:pos x="T22" y="T23"/>
+                </a:cxn>
+                <a:cxn ang="T38">
+                  <a:pos x="T24" y="T25"/>
+                </a:cxn>
+              </a:cxnLst>
+              <a:rect l="T39" t="T40" r="T41" b="T42"/>
+              <a:pathLst>
+                <a:path w="277" h="517">
+                  <a:moveTo>
+                    <a:pt x="89" y="0"/>
+                  </a:moveTo>
+                  <a:lnTo>
+                    <a:pt x="191" y="0"/>
+                  </a:lnTo>
+                  <a:lnTo>
+                    <a:pt x="191" y="105"/>
+                  </a:lnTo>
+                  <a:lnTo>
+                    <a:pt x="225" y="105"/>
+                  </a:lnTo>
+                  <a:lnTo>
+                    <a:pt x="276" y="139"/>
+                  </a:lnTo>
+                  <a:lnTo>
+                    <a:pt x="276" y="415"/>
+                  </a:lnTo>
+                  <a:lnTo>
+                    <a:pt x="225" y="516"/>
+                  </a:lnTo>
+                  <a:lnTo>
+                    <a:pt x="51" y="516"/>
+                  </a:lnTo>
+                  <a:lnTo>
+                    <a:pt x="0" y="415"/>
+                  </a:lnTo>
+                  <a:lnTo>
+                    <a:pt x="0" y="139"/>
+                  </a:lnTo>
+                  <a:lnTo>
+                    <a:pt x="51" y="105"/>
+                  </a:lnTo>
+                  <a:lnTo>
+                    <a:pt x="89" y="105"/>
+                  </a:lnTo>
+                  <a:lnTo>
+                    <a:pt x="89" y="0"/>
+                  </a:lnTo>
+                </a:path>
+              </a:pathLst>
+            </a:custGeom>
             <a:solidFill>
-              <a:schemeClr val="tx1"/>
+              <a:srgbClr val="FFCC99"/>
             </a:solidFill>
-            <a:round/>
-            <a:headEnd/>
-            <a:tailEnd/>
-          </a:ln>
-        </p:spPr>
-        <p:txBody>
-          <a:bodyPr wrap="none" anchor="ctr"/>
-          <a:lstStyle/>
-          <a:p>
-            <a:endParaRPr lang="en-US"/>
-          </a:p>
-        </p:txBody>
-      </p:sp>
-      <p:sp>
-        <p:nvSpPr>
-          <p:cNvPr id="153" name="Freeform 36">
-            <a:extLst>
-              <a:ext uri="{FF2B5EF4-FFF2-40B4-BE49-F238E27FC236}">
-                <a16:creationId xmlns:a16="http://schemas.microsoft.com/office/drawing/2014/main" id="{18AF023F-152A-9F8C-9C29-DDCDE196D5F1}"/>
-              </a:ext>
-            </a:extLst>
-          </p:cNvPr>
-          <p:cNvSpPr>
-            <a:spLocks/>
-          </p:cNvSpPr>
-          <p:nvPr/>
-        </p:nvSpPr>
-        <p:spPr bwMode="auto">
-          <a:xfrm rot="10800000">
-            <a:off x="3592827" y="3047255"/>
-            <a:ext cx="290513" cy="525459"/>
-          </a:xfrm>
-          <a:custGeom>
-            <a:avLst/>
-            <a:gdLst>
-              <a:gd name="T0" fmla="*/ 89 w 277"/>
-              <a:gd name="T1" fmla="*/ 0 h 517"/>
-              <a:gd name="T2" fmla="*/ 191 w 277"/>
-              <a:gd name="T3" fmla="*/ 0 h 517"/>
-              <a:gd name="T4" fmla="*/ 191 w 277"/>
-              <a:gd name="T5" fmla="*/ 105 h 517"/>
-              <a:gd name="T6" fmla="*/ 225 w 277"/>
-              <a:gd name="T7" fmla="*/ 105 h 517"/>
-              <a:gd name="T8" fmla="*/ 276 w 277"/>
-              <a:gd name="T9" fmla="*/ 139 h 517"/>
-              <a:gd name="T10" fmla="*/ 276 w 277"/>
-              <a:gd name="T11" fmla="*/ 415 h 517"/>
-              <a:gd name="T12" fmla="*/ 225 w 277"/>
-              <a:gd name="T13" fmla="*/ 516 h 517"/>
-              <a:gd name="T14" fmla="*/ 51 w 277"/>
-              <a:gd name="T15" fmla="*/ 516 h 517"/>
-              <a:gd name="T16" fmla="*/ 0 w 277"/>
-              <a:gd name="T17" fmla="*/ 415 h 517"/>
-              <a:gd name="T18" fmla="*/ 0 w 277"/>
-              <a:gd name="T19" fmla="*/ 139 h 517"/>
-              <a:gd name="T20" fmla="*/ 51 w 277"/>
-              <a:gd name="T21" fmla="*/ 105 h 517"/>
-              <a:gd name="T22" fmla="*/ 89 w 277"/>
-              <a:gd name="T23" fmla="*/ 105 h 517"/>
-              <a:gd name="T24" fmla="*/ 89 w 277"/>
-              <a:gd name="T25" fmla="*/ 0 h 517"/>
-              <a:gd name="T26" fmla="*/ 0 60000 65536"/>
-              <a:gd name="T27" fmla="*/ 0 60000 65536"/>
-              <a:gd name="T28" fmla="*/ 0 60000 65536"/>
-              <a:gd name="T29" fmla="*/ 0 60000 65536"/>
-              <a:gd name="T30" fmla="*/ 0 60000 65536"/>
-              <a:gd name="T31" fmla="*/ 0 60000 65536"/>
-              <a:gd name="T32" fmla="*/ 0 60000 65536"/>
-              <a:gd name="T33" fmla="*/ 0 60000 65536"/>
-              <a:gd name="T34" fmla="*/ 0 60000 65536"/>
-              <a:gd name="T35" fmla="*/ 0 60000 65536"/>
-              <a:gd name="T36" fmla="*/ 0 60000 65536"/>
-              <a:gd name="T37" fmla="*/ 0 60000 65536"/>
-              <a:gd name="T38" fmla="*/ 0 60000 65536"/>
-              <a:gd name="T39" fmla="*/ 0 w 277"/>
-              <a:gd name="T40" fmla="*/ 0 h 517"/>
-              <a:gd name="T41" fmla="*/ 277 w 277"/>
-              <a:gd name="T42" fmla="*/ 517 h 517"/>
-            </a:gdLst>
-            <a:ahLst/>
-            <a:cxnLst>
-              <a:cxn ang="T26">
-                <a:pos x="T0" y="T1"/>
-              </a:cxn>
-              <a:cxn ang="T27">
-                <a:pos x="T2" y="T3"/>
-              </a:cxn>
-              <a:cxn ang="T28">
-                <a:pos x="T4" y="T5"/>
-              </a:cxn>
-              <a:cxn ang="T29">
-                <a:pos x="T6" y="T7"/>
-              </a:cxn>
-              <a:cxn ang="T30">
-                <a:pos x="T8" y="T9"/>
-              </a:cxn>
-              <a:cxn ang="T31">
-                <a:pos x="T10" y="T11"/>
-              </a:cxn>
-              <a:cxn ang="T32">
-                <a:pos x="T12" y="T13"/>
-              </a:cxn>
-              <a:cxn ang="T33">
-                <a:pos x="T14" y="T15"/>
-              </a:cxn>
-              <a:cxn ang="T34">
-                <a:pos x="T16" y="T17"/>
-              </a:cxn>
-              <a:cxn ang="T35">
-                <a:pos x="T18" y="T19"/>
-              </a:cxn>
-              <a:cxn ang="T36">
-                <a:pos x="T20" y="T21"/>
-              </a:cxn>
-              <a:cxn ang="T37">
-                <a:pos x="T22" y="T23"/>
-              </a:cxn>
-              <a:cxn ang="T38">
-                <a:pos x="T24" y="T25"/>
-              </a:cxn>
-            </a:cxnLst>
-            <a:rect l="T39" t="T40" r="T41" b="T42"/>
-            <a:pathLst>
-              <a:path w="277" h="517">
-                <a:moveTo>
-                  <a:pt x="89" y="0"/>
-                </a:moveTo>
-                <a:lnTo>
-                  <a:pt x="191" y="0"/>
-                </a:lnTo>
-                <a:lnTo>
-                  <a:pt x="191" y="105"/>
-                </a:lnTo>
-                <a:lnTo>
-                  <a:pt x="225" y="105"/>
-                </a:lnTo>
-                <a:lnTo>
-                  <a:pt x="276" y="139"/>
-                </a:lnTo>
-                <a:lnTo>
-                  <a:pt x="276" y="415"/>
-                </a:lnTo>
-                <a:lnTo>
-                  <a:pt x="225" y="516"/>
-                </a:lnTo>
-                <a:lnTo>
-                  <a:pt x="51" y="516"/>
-                </a:lnTo>
-                <a:lnTo>
-                  <a:pt x="0" y="415"/>
-                </a:lnTo>
-                <a:lnTo>
-                  <a:pt x="0" y="139"/>
-                </a:lnTo>
-                <a:lnTo>
-                  <a:pt x="51" y="105"/>
-                </a:lnTo>
-                <a:lnTo>
-                  <a:pt x="89" y="105"/>
-                </a:lnTo>
-                <a:lnTo>
-                  <a:pt x="89" y="0"/>
-                </a:lnTo>
-              </a:path>
-            </a:pathLst>
-          </a:custGeom>
-          <a:solidFill>
-            <a:schemeClr val="bg1"/>
-          </a:solidFill>
-          <a:ln w="12700" cap="rnd" cmpd="sng">
+            <a:ln w="12700" cap="rnd" cmpd="sng">
+              <a:solidFill>
+                <a:schemeClr val="tx1"/>
+              </a:solidFill>
+              <a:prstDash val="solid"/>
+              <a:round/>
+              <a:headEnd type="none" w="med" len="med"/>
+              <a:tailEnd type="none" w="med" len="med"/>
+            </a:ln>
+          </p:spPr>
+          <p:txBody>
+            <a:bodyPr/>
+            <a:lstStyle/>
+            <a:p>
+              <a:endParaRPr lang="en-US"/>
+            </a:p>
+          </p:txBody>
+        </p:sp>
+        <p:sp>
+          <p:nvSpPr>
+            <p:cNvPr id="159" name="Freeform 32">
+              <a:extLst>
+                <a:ext uri="{FF2B5EF4-FFF2-40B4-BE49-F238E27FC236}">
+                  <a16:creationId xmlns:a16="http://schemas.microsoft.com/office/drawing/2014/main" id="{0D344833-DEB3-8D6F-9B79-443BAE3B737C}"/>
+                </a:ext>
+              </a:extLst>
+            </p:cNvPr>
+            <p:cNvSpPr>
+              <a:spLocks/>
+            </p:cNvSpPr>
+            <p:nvPr/>
+          </p:nvSpPr>
+          <p:spPr bwMode="auto">
+            <a:xfrm rot="10800000">
+              <a:off x="3587977" y="2797396"/>
+              <a:ext cx="287338" cy="527050"/>
+            </a:xfrm>
+            <a:custGeom>
+              <a:avLst/>
+              <a:gdLst>
+                <a:gd name="T0" fmla="*/ 89 w 277"/>
+                <a:gd name="T1" fmla="*/ 0 h 517"/>
+                <a:gd name="T2" fmla="*/ 191 w 277"/>
+                <a:gd name="T3" fmla="*/ 0 h 517"/>
+                <a:gd name="T4" fmla="*/ 191 w 277"/>
+                <a:gd name="T5" fmla="*/ 105 h 517"/>
+                <a:gd name="T6" fmla="*/ 225 w 277"/>
+                <a:gd name="T7" fmla="*/ 105 h 517"/>
+                <a:gd name="T8" fmla="*/ 276 w 277"/>
+                <a:gd name="T9" fmla="*/ 139 h 517"/>
+                <a:gd name="T10" fmla="*/ 276 w 277"/>
+                <a:gd name="T11" fmla="*/ 415 h 517"/>
+                <a:gd name="T12" fmla="*/ 225 w 277"/>
+                <a:gd name="T13" fmla="*/ 516 h 517"/>
+                <a:gd name="T14" fmla="*/ 51 w 277"/>
+                <a:gd name="T15" fmla="*/ 516 h 517"/>
+                <a:gd name="T16" fmla="*/ 0 w 277"/>
+                <a:gd name="T17" fmla="*/ 415 h 517"/>
+                <a:gd name="T18" fmla="*/ 0 w 277"/>
+                <a:gd name="T19" fmla="*/ 139 h 517"/>
+                <a:gd name="T20" fmla="*/ 51 w 277"/>
+                <a:gd name="T21" fmla="*/ 105 h 517"/>
+                <a:gd name="T22" fmla="*/ 89 w 277"/>
+                <a:gd name="T23" fmla="*/ 105 h 517"/>
+                <a:gd name="T24" fmla="*/ 89 w 277"/>
+                <a:gd name="T25" fmla="*/ 0 h 517"/>
+                <a:gd name="T26" fmla="*/ 0 60000 65536"/>
+                <a:gd name="T27" fmla="*/ 0 60000 65536"/>
+                <a:gd name="T28" fmla="*/ 0 60000 65536"/>
+                <a:gd name="T29" fmla="*/ 0 60000 65536"/>
+                <a:gd name="T30" fmla="*/ 0 60000 65536"/>
+                <a:gd name="T31" fmla="*/ 0 60000 65536"/>
+                <a:gd name="T32" fmla="*/ 0 60000 65536"/>
+                <a:gd name="T33" fmla="*/ 0 60000 65536"/>
+                <a:gd name="T34" fmla="*/ 0 60000 65536"/>
+                <a:gd name="T35" fmla="*/ 0 60000 65536"/>
+                <a:gd name="T36" fmla="*/ 0 60000 65536"/>
+                <a:gd name="T37" fmla="*/ 0 60000 65536"/>
+                <a:gd name="T38" fmla="*/ 0 60000 65536"/>
+                <a:gd name="T39" fmla="*/ 0 w 277"/>
+                <a:gd name="T40" fmla="*/ 0 h 517"/>
+                <a:gd name="T41" fmla="*/ 277 w 277"/>
+                <a:gd name="T42" fmla="*/ 517 h 517"/>
+              </a:gdLst>
+              <a:ahLst/>
+              <a:cxnLst>
+                <a:cxn ang="T26">
+                  <a:pos x="T0" y="T1"/>
+                </a:cxn>
+                <a:cxn ang="T27">
+                  <a:pos x="T2" y="T3"/>
+                </a:cxn>
+                <a:cxn ang="T28">
+                  <a:pos x="T4" y="T5"/>
+                </a:cxn>
+                <a:cxn ang="T29">
+                  <a:pos x="T6" y="T7"/>
+                </a:cxn>
+                <a:cxn ang="T30">
+                  <a:pos x="T8" y="T9"/>
+                </a:cxn>
+                <a:cxn ang="T31">
+                  <a:pos x="T10" y="T11"/>
+                </a:cxn>
+                <a:cxn ang="T32">
+                  <a:pos x="T12" y="T13"/>
+                </a:cxn>
+                <a:cxn ang="T33">
+                  <a:pos x="T14" y="T15"/>
+                </a:cxn>
+                <a:cxn ang="T34">
+                  <a:pos x="T16" y="T17"/>
+                </a:cxn>
+                <a:cxn ang="T35">
+                  <a:pos x="T18" y="T19"/>
+                </a:cxn>
+                <a:cxn ang="T36">
+                  <a:pos x="T20" y="T21"/>
+                </a:cxn>
+                <a:cxn ang="T37">
+                  <a:pos x="T22" y="T23"/>
+                </a:cxn>
+                <a:cxn ang="T38">
+                  <a:pos x="T24" y="T25"/>
+                </a:cxn>
+              </a:cxnLst>
+              <a:rect l="T39" t="T40" r="T41" b="T42"/>
+              <a:pathLst>
+                <a:path w="277" h="517">
+                  <a:moveTo>
+                    <a:pt x="89" y="0"/>
+                  </a:moveTo>
+                  <a:lnTo>
+                    <a:pt x="191" y="0"/>
+                  </a:lnTo>
+                  <a:lnTo>
+                    <a:pt x="191" y="105"/>
+                  </a:lnTo>
+                  <a:lnTo>
+                    <a:pt x="225" y="105"/>
+                  </a:lnTo>
+                  <a:lnTo>
+                    <a:pt x="276" y="139"/>
+                  </a:lnTo>
+                  <a:lnTo>
+                    <a:pt x="276" y="415"/>
+                  </a:lnTo>
+                  <a:lnTo>
+                    <a:pt x="225" y="516"/>
+                  </a:lnTo>
+                  <a:lnTo>
+                    <a:pt x="51" y="516"/>
+                  </a:lnTo>
+                  <a:lnTo>
+                    <a:pt x="0" y="415"/>
+                  </a:lnTo>
+                  <a:lnTo>
+                    <a:pt x="0" y="139"/>
+                  </a:lnTo>
+                  <a:lnTo>
+                    <a:pt x="51" y="105"/>
+                  </a:lnTo>
+                  <a:lnTo>
+                    <a:pt x="89" y="105"/>
+                  </a:lnTo>
+                  <a:lnTo>
+                    <a:pt x="89" y="0"/>
+                  </a:lnTo>
+                </a:path>
+              </a:pathLst>
+            </a:custGeom>
             <a:solidFill>
-              <a:schemeClr val="tx1"/>
+              <a:srgbClr val="FFCC99"/>
             </a:solidFill>
-            <a:prstDash val="solid"/>
-            <a:round/>
-            <a:headEnd type="none" w="med" len="med"/>
-            <a:tailEnd type="none" w="med" len="med"/>
-          </a:ln>
-        </p:spPr>
-        <p:txBody>
-          <a:bodyPr/>
-          <a:lstStyle/>
-          <a:p>
-            <a:endParaRPr lang="en-US"/>
-          </a:p>
-        </p:txBody>
-      </p:sp>
+            <a:ln w="12700" cap="rnd" cmpd="sng">
+              <a:solidFill>
+                <a:schemeClr val="tx1"/>
+              </a:solidFill>
+              <a:prstDash val="solid"/>
+              <a:round/>
+              <a:headEnd type="none" w="med" len="med"/>
+              <a:tailEnd type="none" w="med" len="med"/>
+            </a:ln>
+          </p:spPr>
+          <p:txBody>
+            <a:bodyPr/>
+            <a:lstStyle/>
+            <a:p>
+              <a:endParaRPr lang="en-US"/>
+            </a:p>
+          </p:txBody>
+        </p:sp>
+        <p:sp>
+          <p:nvSpPr>
+            <p:cNvPr id="151" name="Line 34">
+              <a:extLst>
+                <a:ext uri="{FF2B5EF4-FFF2-40B4-BE49-F238E27FC236}">
+                  <a16:creationId xmlns:a16="http://schemas.microsoft.com/office/drawing/2014/main" id="{46688888-66C0-A36B-EBE4-4A3066C1660A}"/>
+                </a:ext>
+              </a:extLst>
+            </p:cNvPr>
+            <p:cNvSpPr>
+              <a:spLocks noChangeShapeType="1"/>
+            </p:cNvSpPr>
+            <p:nvPr/>
+          </p:nvSpPr>
+          <p:spPr bwMode="auto">
+            <a:xfrm>
+              <a:off x="3604062" y="3433854"/>
+              <a:ext cx="0" cy="400801"/>
+            </a:xfrm>
+            <a:prstGeom prst="line">
+              <a:avLst/>
+            </a:prstGeom>
+            <a:noFill/>
+            <a:ln w="28575">
+              <a:solidFill>
+                <a:schemeClr val="tx1"/>
+              </a:solidFill>
+              <a:round/>
+              <a:headEnd/>
+              <a:tailEnd/>
+            </a:ln>
+          </p:spPr>
+          <p:txBody>
+            <a:bodyPr wrap="none" anchor="ctr"/>
+            <a:lstStyle/>
+            <a:p>
+              <a:endParaRPr lang="en-US"/>
+            </a:p>
+          </p:txBody>
+        </p:sp>
+        <p:sp>
+          <p:nvSpPr>
+            <p:cNvPr id="152" name="Line 35">
+              <a:extLst>
+                <a:ext uri="{FF2B5EF4-FFF2-40B4-BE49-F238E27FC236}">
+                  <a16:creationId xmlns:a16="http://schemas.microsoft.com/office/drawing/2014/main" id="{26AF1601-CDD3-4C87-DD0C-CE091288BCD8}"/>
+                </a:ext>
+              </a:extLst>
+            </p:cNvPr>
+            <p:cNvSpPr>
+              <a:spLocks noChangeShapeType="1"/>
+            </p:cNvSpPr>
+            <p:nvPr/>
+          </p:nvSpPr>
+          <p:spPr bwMode="auto">
+            <a:xfrm>
+              <a:off x="3875315" y="3433854"/>
+              <a:ext cx="0" cy="400801"/>
+            </a:xfrm>
+            <a:prstGeom prst="line">
+              <a:avLst/>
+            </a:prstGeom>
+            <a:noFill/>
+            <a:ln w="28575">
+              <a:solidFill>
+                <a:schemeClr val="tx1"/>
+              </a:solidFill>
+              <a:round/>
+              <a:headEnd/>
+              <a:tailEnd/>
+            </a:ln>
+          </p:spPr>
+          <p:txBody>
+            <a:bodyPr wrap="none" anchor="ctr"/>
+            <a:lstStyle/>
+            <a:p>
+              <a:endParaRPr lang="en-US"/>
+            </a:p>
+          </p:txBody>
+        </p:sp>
+        <p:sp>
+          <p:nvSpPr>
+            <p:cNvPr id="153" name="Freeform 36">
+              <a:extLst>
+                <a:ext uri="{FF2B5EF4-FFF2-40B4-BE49-F238E27FC236}">
+                  <a16:creationId xmlns:a16="http://schemas.microsoft.com/office/drawing/2014/main" id="{18AF023F-152A-9F8C-9C29-DDCDE196D5F1}"/>
+                </a:ext>
+              </a:extLst>
+            </p:cNvPr>
+            <p:cNvSpPr>
+              <a:spLocks/>
+            </p:cNvSpPr>
+            <p:nvPr/>
+          </p:nvSpPr>
+          <p:spPr bwMode="auto">
+            <a:xfrm rot="10800000">
+              <a:off x="3592827" y="3047255"/>
+              <a:ext cx="290513" cy="525459"/>
+            </a:xfrm>
+            <a:custGeom>
+              <a:avLst/>
+              <a:gdLst>
+                <a:gd name="T0" fmla="*/ 89 w 277"/>
+                <a:gd name="T1" fmla="*/ 0 h 517"/>
+                <a:gd name="T2" fmla="*/ 191 w 277"/>
+                <a:gd name="T3" fmla="*/ 0 h 517"/>
+                <a:gd name="T4" fmla="*/ 191 w 277"/>
+                <a:gd name="T5" fmla="*/ 105 h 517"/>
+                <a:gd name="T6" fmla="*/ 225 w 277"/>
+                <a:gd name="T7" fmla="*/ 105 h 517"/>
+                <a:gd name="T8" fmla="*/ 276 w 277"/>
+                <a:gd name="T9" fmla="*/ 139 h 517"/>
+                <a:gd name="T10" fmla="*/ 276 w 277"/>
+                <a:gd name="T11" fmla="*/ 415 h 517"/>
+                <a:gd name="T12" fmla="*/ 225 w 277"/>
+                <a:gd name="T13" fmla="*/ 516 h 517"/>
+                <a:gd name="T14" fmla="*/ 51 w 277"/>
+                <a:gd name="T15" fmla="*/ 516 h 517"/>
+                <a:gd name="T16" fmla="*/ 0 w 277"/>
+                <a:gd name="T17" fmla="*/ 415 h 517"/>
+                <a:gd name="T18" fmla="*/ 0 w 277"/>
+                <a:gd name="T19" fmla="*/ 139 h 517"/>
+                <a:gd name="T20" fmla="*/ 51 w 277"/>
+                <a:gd name="T21" fmla="*/ 105 h 517"/>
+                <a:gd name="T22" fmla="*/ 89 w 277"/>
+                <a:gd name="T23" fmla="*/ 105 h 517"/>
+                <a:gd name="T24" fmla="*/ 89 w 277"/>
+                <a:gd name="T25" fmla="*/ 0 h 517"/>
+                <a:gd name="T26" fmla="*/ 0 60000 65536"/>
+                <a:gd name="T27" fmla="*/ 0 60000 65536"/>
+                <a:gd name="T28" fmla="*/ 0 60000 65536"/>
+                <a:gd name="T29" fmla="*/ 0 60000 65536"/>
+                <a:gd name="T30" fmla="*/ 0 60000 65536"/>
+                <a:gd name="T31" fmla="*/ 0 60000 65536"/>
+                <a:gd name="T32" fmla="*/ 0 60000 65536"/>
+                <a:gd name="T33" fmla="*/ 0 60000 65536"/>
+                <a:gd name="T34" fmla="*/ 0 60000 65536"/>
+                <a:gd name="T35" fmla="*/ 0 60000 65536"/>
+                <a:gd name="T36" fmla="*/ 0 60000 65536"/>
+                <a:gd name="T37" fmla="*/ 0 60000 65536"/>
+                <a:gd name="T38" fmla="*/ 0 60000 65536"/>
+                <a:gd name="T39" fmla="*/ 0 w 277"/>
+                <a:gd name="T40" fmla="*/ 0 h 517"/>
+                <a:gd name="T41" fmla="*/ 277 w 277"/>
+                <a:gd name="T42" fmla="*/ 517 h 517"/>
+              </a:gdLst>
+              <a:ahLst/>
+              <a:cxnLst>
+                <a:cxn ang="T26">
+                  <a:pos x="T0" y="T1"/>
+                </a:cxn>
+                <a:cxn ang="T27">
+                  <a:pos x="T2" y="T3"/>
+                </a:cxn>
+                <a:cxn ang="T28">
+                  <a:pos x="T4" y="T5"/>
+                </a:cxn>
+                <a:cxn ang="T29">
+                  <a:pos x="T6" y="T7"/>
+                </a:cxn>
+                <a:cxn ang="T30">
+                  <a:pos x="T8" y="T9"/>
+                </a:cxn>
+                <a:cxn ang="T31">
+                  <a:pos x="T10" y="T11"/>
+                </a:cxn>
+                <a:cxn ang="T32">
+                  <a:pos x="T12" y="T13"/>
+                </a:cxn>
+                <a:cxn ang="T33">
+                  <a:pos x="T14" y="T15"/>
+                </a:cxn>
+                <a:cxn ang="T34">
+                  <a:pos x="T16" y="T17"/>
+                </a:cxn>
+                <a:cxn ang="T35">
+                  <a:pos x="T18" y="T19"/>
+                </a:cxn>
+                <a:cxn ang="T36">
+                  <a:pos x="T20" y="T21"/>
+                </a:cxn>
+                <a:cxn ang="T37">
+                  <a:pos x="T22" y="T23"/>
+                </a:cxn>
+                <a:cxn ang="T38">
+                  <a:pos x="T24" y="T25"/>
+                </a:cxn>
+              </a:cxnLst>
+              <a:rect l="T39" t="T40" r="T41" b="T42"/>
+              <a:pathLst>
+                <a:path w="277" h="517">
+                  <a:moveTo>
+                    <a:pt x="89" y="0"/>
+                  </a:moveTo>
+                  <a:lnTo>
+                    <a:pt x="191" y="0"/>
+                  </a:lnTo>
+                  <a:lnTo>
+                    <a:pt x="191" y="105"/>
+                  </a:lnTo>
+                  <a:lnTo>
+                    <a:pt x="225" y="105"/>
+                  </a:lnTo>
+                  <a:lnTo>
+                    <a:pt x="276" y="139"/>
+                  </a:lnTo>
+                  <a:lnTo>
+                    <a:pt x="276" y="415"/>
+                  </a:lnTo>
+                  <a:lnTo>
+                    <a:pt x="225" y="516"/>
+                  </a:lnTo>
+                  <a:lnTo>
+                    <a:pt x="51" y="516"/>
+                  </a:lnTo>
+                  <a:lnTo>
+                    <a:pt x="0" y="415"/>
+                  </a:lnTo>
+                  <a:lnTo>
+                    <a:pt x="0" y="139"/>
+                  </a:lnTo>
+                  <a:lnTo>
+                    <a:pt x="51" y="105"/>
+                  </a:lnTo>
+                  <a:lnTo>
+                    <a:pt x="89" y="105"/>
+                  </a:lnTo>
+                  <a:lnTo>
+                    <a:pt x="89" y="0"/>
+                  </a:lnTo>
+                </a:path>
+              </a:pathLst>
+            </a:custGeom>
+            <a:solidFill>
+              <a:schemeClr val="bg1"/>
+            </a:solidFill>
+            <a:ln w="12700" cap="rnd" cmpd="sng">
+              <a:solidFill>
+                <a:schemeClr val="tx1"/>
+              </a:solidFill>
+              <a:prstDash val="solid"/>
+              <a:round/>
+              <a:headEnd type="none" w="med" len="med"/>
+              <a:tailEnd type="none" w="med" len="med"/>
+            </a:ln>
+          </p:spPr>
+          <p:txBody>
+            <a:bodyPr/>
+            <a:lstStyle/>
+            <a:p>
+              <a:endParaRPr lang="en-US"/>
+            </a:p>
+          </p:txBody>
+        </p:sp>
+      </p:grpSp>
       <p:grpSp>
         <p:nvGrpSpPr>
           <p:cNvPr id="168" name="Group 33">
